--- a/figs/graphical_abstract.pptx
+++ b/figs/graphical_abstract.pptx
@@ -2304,7 +2304,7 @@
           </a:ln>
           <a:extLst>
             <a:ext uri="{C572A759-6A51-4108-AA02-DFA0A04FC94B}">
-              <ma14:wrappingTextBoxFlag xmlns="" xmlns:m="http://schemas.openxmlformats.org/officeDocument/2006/math" xmlns:a14="http://schemas.microsoft.com/office/drawing/2010/main" xmlns:ma14="http://schemas.microsoft.com/office/mac/drawingml/2011/main" val="1"/>
+              <ma14:wrappingTextBoxFlag xmlns:ma14="http://schemas.microsoft.com/office/mac/drawingml/2011/main" xmlns:a14="http://schemas.microsoft.com/office/drawing/2010/main" xmlns:m="http://schemas.openxmlformats.org/officeDocument/2006/math" xmlns="" val="1"/>
             </a:ext>
           </a:extLst>
         </p:spPr>
@@ -2343,7 +2343,7 @@
           </a:ln>
           <a:extLst>
             <a:ext uri="{C572A759-6A51-4108-AA02-DFA0A04FC94B}">
-              <ma14:wrappingTextBoxFlag xmlns="" xmlns:m="http://schemas.openxmlformats.org/officeDocument/2006/math" xmlns:a14="http://schemas.microsoft.com/office/drawing/2010/main" xmlns:ma14="http://schemas.microsoft.com/office/mac/drawingml/2011/main" val="1"/>
+              <ma14:wrappingTextBoxFlag xmlns:ma14="http://schemas.microsoft.com/office/mac/drawingml/2011/main" xmlns:a14="http://schemas.microsoft.com/office/drawing/2010/main" xmlns:m="http://schemas.openxmlformats.org/officeDocument/2006/math" xmlns="" val="1"/>
             </a:ext>
           </a:extLst>
         </p:spPr>
@@ -3181,10 +3181,10 @@
       </p:grpSpPr>
       <p:pic>
         <p:nvPicPr>
-          <p:cNvPr id="6" name="Picture 5" descr="A screenshot of a medical report&#10;&#10;Description automatically generated">
+          <p:cNvPr id="3" name="Picture 2" descr="A screenshot of a medical report&#10;&#10;Description automatically generated">
             <a:extLst>
               <a:ext uri="{FF2B5EF4-FFF2-40B4-BE49-F238E27FC236}">
-                <a16:creationId xmlns:a16="http://schemas.microsoft.com/office/drawing/2014/main" id="{6A0EF8F6-E2DD-7B35-E16B-8E796B995312}"/>
+                <a16:creationId xmlns:a16="http://schemas.microsoft.com/office/drawing/2014/main" id="{CD71DFA8-171B-67E4-9317-916DC2E8E0E1}"/>
               </a:ext>
             </a:extLst>
           </p:cNvPr>
@@ -3400,7 +3400,7 @@
           </a:ln>
           <a:extLst>
             <a:ext uri="{C572A759-6A51-4108-AA02-DFA0A04FC94B}">
-              <ma14:wrappingTextBoxFlag xmlns="" xmlns:m="http://schemas.openxmlformats.org/officeDocument/2006/math" xmlns:a14="http://schemas.microsoft.com/office/drawing/2010/main" xmlns:ma14="http://schemas.microsoft.com/office/mac/drawingml/2011/main" val="1"/>
+              <ma14:wrappingTextBoxFlag xmlns:ma14="http://schemas.microsoft.com/office/mac/drawingml/2011/main" xmlns:a14="http://schemas.microsoft.com/office/drawing/2010/main" xmlns:m="http://schemas.openxmlformats.org/officeDocument/2006/math" xmlns="" val="1"/>
             </a:ext>
           </a:extLst>
         </p:spPr>
@@ -3443,7 +3443,7 @@
           </a:ln>
           <a:extLst>
             <a:ext uri="{C572A759-6A51-4108-AA02-DFA0A04FC94B}">
-              <ma14:wrappingTextBoxFlag xmlns="" xmlns:m="http://schemas.openxmlformats.org/officeDocument/2006/math" xmlns:a14="http://schemas.microsoft.com/office/drawing/2010/main" xmlns:ma14="http://schemas.microsoft.com/office/mac/drawingml/2011/main" val="1"/>
+              <ma14:wrappingTextBoxFlag xmlns:ma14="http://schemas.microsoft.com/office/mac/drawingml/2011/main" xmlns:a14="http://schemas.microsoft.com/office/drawing/2010/main" xmlns:m="http://schemas.openxmlformats.org/officeDocument/2006/math" xmlns="" val="1"/>
             </a:ext>
           </a:extLst>
         </p:spPr>
@@ -3486,7 +3486,7 @@
           </a:ln>
           <a:extLst>
             <a:ext uri="{C572A759-6A51-4108-AA02-DFA0A04FC94B}">
-              <ma14:wrappingTextBoxFlag xmlns="" xmlns:m="http://schemas.openxmlformats.org/officeDocument/2006/math" xmlns:a14="http://schemas.microsoft.com/office/drawing/2010/main" xmlns:ma14="http://schemas.microsoft.com/office/mac/drawingml/2011/main" val="1"/>
+              <ma14:wrappingTextBoxFlag xmlns:ma14="http://schemas.microsoft.com/office/mac/drawingml/2011/main" xmlns:a14="http://schemas.microsoft.com/office/drawing/2010/main" xmlns:m="http://schemas.openxmlformats.org/officeDocument/2006/math" xmlns="" val="1"/>
             </a:ext>
           </a:extLst>
         </p:spPr>
@@ -3529,7 +3529,7 @@
           </a:ln>
           <a:extLst>
             <a:ext uri="{C572A759-6A51-4108-AA02-DFA0A04FC94B}">
-              <ma14:wrappingTextBoxFlag xmlns="" xmlns:m="http://schemas.openxmlformats.org/officeDocument/2006/math" xmlns:a14="http://schemas.microsoft.com/office/drawing/2010/main" xmlns:ma14="http://schemas.microsoft.com/office/mac/drawingml/2011/main" val="1"/>
+              <ma14:wrappingTextBoxFlag xmlns:ma14="http://schemas.microsoft.com/office/mac/drawingml/2011/main" xmlns:a14="http://schemas.microsoft.com/office/drawing/2010/main" xmlns:m="http://schemas.openxmlformats.org/officeDocument/2006/math" xmlns="" val="1"/>
             </a:ext>
           </a:extLst>
         </p:spPr>

--- a/figs/graphical_abstract.pptx
+++ b/figs/graphical_abstract.pptx
@@ -2304,7 +2304,7 @@
           </a:ln>
           <a:extLst>
             <a:ext uri="{C572A759-6A51-4108-AA02-DFA0A04FC94B}">
-              <ma14:wrappingTextBoxFlag xmlns:ma14="http://schemas.microsoft.com/office/mac/drawingml/2011/main" xmlns:a14="http://schemas.microsoft.com/office/drawing/2010/main" xmlns:m="http://schemas.openxmlformats.org/officeDocument/2006/math" xmlns="" val="1"/>
+              <ma14:wrappingTextBoxFlag xmlns="" xmlns:m="http://schemas.openxmlformats.org/officeDocument/2006/math" xmlns:a14="http://schemas.microsoft.com/office/drawing/2010/main" xmlns:ma14="http://schemas.microsoft.com/office/mac/drawingml/2011/main" val="1"/>
             </a:ext>
           </a:extLst>
         </p:spPr>
@@ -2343,7 +2343,7 @@
           </a:ln>
           <a:extLst>
             <a:ext uri="{C572A759-6A51-4108-AA02-DFA0A04FC94B}">
-              <ma14:wrappingTextBoxFlag xmlns:ma14="http://schemas.microsoft.com/office/mac/drawingml/2011/main" xmlns:a14="http://schemas.microsoft.com/office/drawing/2010/main" xmlns:m="http://schemas.openxmlformats.org/officeDocument/2006/math" xmlns="" val="1"/>
+              <ma14:wrappingTextBoxFlag xmlns="" xmlns:m="http://schemas.openxmlformats.org/officeDocument/2006/math" xmlns:a14="http://schemas.microsoft.com/office/drawing/2010/main" xmlns:ma14="http://schemas.microsoft.com/office/mac/drawingml/2011/main" val="1"/>
             </a:ext>
           </a:extLst>
         </p:spPr>
@@ -3181,10 +3181,10 @@
       </p:grpSpPr>
       <p:pic>
         <p:nvPicPr>
-          <p:cNvPr id="3" name="Picture 2" descr="A screenshot of a medical report&#10;&#10;Description automatically generated">
+          <p:cNvPr id="4" name="Picture 3" descr="A screenshot of a computer screen&#10;&#10;Description automatically generated">
             <a:extLst>
               <a:ext uri="{FF2B5EF4-FFF2-40B4-BE49-F238E27FC236}">
-                <a16:creationId xmlns:a16="http://schemas.microsoft.com/office/drawing/2014/main" id="{CD71DFA8-171B-67E4-9317-916DC2E8E0E1}"/>
+                <a16:creationId xmlns:a16="http://schemas.microsoft.com/office/drawing/2014/main" id="{B61BA19C-2913-5EC7-CC7A-8E7505D62572}"/>
               </a:ext>
             </a:extLst>
           </p:cNvPr>
@@ -3400,7 +3400,7 @@
           </a:ln>
           <a:extLst>
             <a:ext uri="{C572A759-6A51-4108-AA02-DFA0A04FC94B}">
-              <ma14:wrappingTextBoxFlag xmlns:ma14="http://schemas.microsoft.com/office/mac/drawingml/2011/main" xmlns:a14="http://schemas.microsoft.com/office/drawing/2010/main" xmlns:m="http://schemas.openxmlformats.org/officeDocument/2006/math" xmlns="" val="1"/>
+              <ma14:wrappingTextBoxFlag xmlns="" xmlns:m="http://schemas.openxmlformats.org/officeDocument/2006/math" xmlns:a14="http://schemas.microsoft.com/office/drawing/2010/main" xmlns:ma14="http://schemas.microsoft.com/office/mac/drawingml/2011/main" val="1"/>
             </a:ext>
           </a:extLst>
         </p:spPr>
@@ -3443,7 +3443,7 @@
           </a:ln>
           <a:extLst>
             <a:ext uri="{C572A759-6A51-4108-AA02-DFA0A04FC94B}">
-              <ma14:wrappingTextBoxFlag xmlns:ma14="http://schemas.microsoft.com/office/mac/drawingml/2011/main" xmlns:a14="http://schemas.microsoft.com/office/drawing/2010/main" xmlns:m="http://schemas.openxmlformats.org/officeDocument/2006/math" xmlns="" val="1"/>
+              <ma14:wrappingTextBoxFlag xmlns="" xmlns:m="http://schemas.openxmlformats.org/officeDocument/2006/math" xmlns:a14="http://schemas.microsoft.com/office/drawing/2010/main" xmlns:ma14="http://schemas.microsoft.com/office/mac/drawingml/2011/main" val="1"/>
             </a:ext>
           </a:extLst>
         </p:spPr>
@@ -3486,7 +3486,7 @@
           </a:ln>
           <a:extLst>
             <a:ext uri="{C572A759-6A51-4108-AA02-DFA0A04FC94B}">
-              <ma14:wrappingTextBoxFlag xmlns:ma14="http://schemas.microsoft.com/office/mac/drawingml/2011/main" xmlns:a14="http://schemas.microsoft.com/office/drawing/2010/main" xmlns:m="http://schemas.openxmlformats.org/officeDocument/2006/math" xmlns="" val="1"/>
+              <ma14:wrappingTextBoxFlag xmlns="" xmlns:m="http://schemas.openxmlformats.org/officeDocument/2006/math" xmlns:a14="http://schemas.microsoft.com/office/drawing/2010/main" xmlns:ma14="http://schemas.microsoft.com/office/mac/drawingml/2011/main" val="1"/>
             </a:ext>
           </a:extLst>
         </p:spPr>
@@ -3529,7 +3529,7 @@
           </a:ln>
           <a:extLst>
             <a:ext uri="{C572A759-6A51-4108-AA02-DFA0A04FC94B}">
-              <ma14:wrappingTextBoxFlag xmlns:ma14="http://schemas.microsoft.com/office/mac/drawingml/2011/main" xmlns:a14="http://schemas.microsoft.com/office/drawing/2010/main" xmlns:m="http://schemas.openxmlformats.org/officeDocument/2006/math" xmlns="" val="1"/>
+              <ma14:wrappingTextBoxFlag xmlns="" xmlns:m="http://schemas.openxmlformats.org/officeDocument/2006/math" xmlns:a14="http://schemas.microsoft.com/office/drawing/2010/main" xmlns:ma14="http://schemas.microsoft.com/office/mac/drawingml/2011/main" val="1"/>
             </a:ext>
           </a:extLst>
         </p:spPr>
